--- a/L01P01 - Smartlab IOT - Flowcharts - Edublocks/L01P01 - Week 01 - Flowcharts/L01P01 - Week 01 - Les1 - Stroomdiagram.pptx
+++ b/L01P01 - Smartlab IOT - Flowcharts - Edublocks/L01P01 - Week 01 - Flowcharts/L01P01 - Week 01 - Les1 - Stroomdiagram.pptx
@@ -143,6 +143,54 @@
 
 <file path=ppt/changesInfos/changesInfo1.xml><?xml version="1.0" encoding="utf-8"?>
 <pc:chgInfo xmlns:a="http://schemas.openxmlformats.org/drawingml/2006/main" xmlns:r="http://schemas.openxmlformats.org/officeDocument/2006/relationships" xmlns:ac="http://schemas.microsoft.com/office/drawing/2013/main/command" xmlns:pc="http://schemas.microsoft.com/office/powerpoint/2013/main/command">
+  <pc:docChgLst>
+    <pc:chgData name="Arjan Kamberg" userId="2cfeac95-aab1-41a7-bca5-796b19d85bc0" providerId="ADAL" clId="{A7B53D6E-CCAE-7A49-A7D2-F48AD2D82C71}"/>
+    <pc:docChg chg="custSel modSld">
+      <pc:chgData name="Arjan Kamberg" userId="2cfeac95-aab1-41a7-bca5-796b19d85bc0" providerId="ADAL" clId="{A7B53D6E-CCAE-7A49-A7D2-F48AD2D82C71}" dt="2020-09-09T15:03:15.452" v="24" actId="20577"/>
+      <pc:docMkLst>
+        <pc:docMk/>
+      </pc:docMkLst>
+      <pc:sldChg chg="addSp delSp modSp mod">
+        <pc:chgData name="Arjan Kamberg" userId="2cfeac95-aab1-41a7-bca5-796b19d85bc0" providerId="ADAL" clId="{A7B53D6E-CCAE-7A49-A7D2-F48AD2D82C71}" dt="2020-09-09T15:03:15.452" v="24" actId="20577"/>
+        <pc:sldMkLst>
+          <pc:docMk/>
+          <pc:sldMk cId="3085005295" sldId="386"/>
+        </pc:sldMkLst>
+        <pc:spChg chg="mod">
+          <ac:chgData name="Arjan Kamberg" userId="2cfeac95-aab1-41a7-bca5-796b19d85bc0" providerId="ADAL" clId="{A7B53D6E-CCAE-7A49-A7D2-F48AD2D82C71}" dt="2020-09-09T15:03:15.452" v="24" actId="20577"/>
+          <ac:spMkLst>
+            <pc:docMk/>
+            <pc:sldMk cId="3085005295" sldId="386"/>
+            <ac:spMk id="2" creationId="{A0D966FC-2281-4149-84F4-9253FF077388}"/>
+          </ac:spMkLst>
+        </pc:spChg>
+        <pc:spChg chg="add mod">
+          <ac:chgData name="Arjan Kamberg" userId="2cfeac95-aab1-41a7-bca5-796b19d85bc0" providerId="ADAL" clId="{A7B53D6E-CCAE-7A49-A7D2-F48AD2D82C71}" dt="2020-09-09T15:02:24.846" v="0" actId="478"/>
+          <ac:spMkLst>
+            <pc:docMk/>
+            <pc:sldMk cId="3085005295" sldId="386"/>
+            <ac:spMk id="4" creationId="{BEE5EDAF-1D8B-E843-B30D-D3A7C6285F8E}"/>
+          </ac:spMkLst>
+        </pc:spChg>
+        <pc:picChg chg="del">
+          <ac:chgData name="Arjan Kamberg" userId="2cfeac95-aab1-41a7-bca5-796b19d85bc0" providerId="ADAL" clId="{A7B53D6E-CCAE-7A49-A7D2-F48AD2D82C71}" dt="2020-09-09T15:02:24.846" v="0" actId="478"/>
+          <ac:picMkLst>
+            <pc:docMk/>
+            <pc:sldMk cId="3085005295" sldId="386"/>
+            <ac:picMk id="5" creationId="{A05D922B-903D-9842-A109-71866C416BAB}"/>
+          </ac:picMkLst>
+        </pc:picChg>
+        <pc:picChg chg="add mod">
+          <ac:chgData name="Arjan Kamberg" userId="2cfeac95-aab1-41a7-bca5-796b19d85bc0" providerId="ADAL" clId="{A7B53D6E-CCAE-7A49-A7D2-F48AD2D82C71}" dt="2020-09-09T15:03:00.597" v="3" actId="1076"/>
+          <ac:picMkLst>
+            <pc:docMk/>
+            <pc:sldMk cId="3085005295" sldId="386"/>
+            <ac:picMk id="1025" creationId="{9816D917-0560-4349-971E-F4372C725E3C}"/>
+          </ac:picMkLst>
+        </pc:picChg>
+      </pc:sldChg>
+    </pc:docChg>
+  </pc:docChgLst>
   <pc:docChgLst>
     <pc:chgData name="Arjan Kamberg" userId="2cfeac95-aab1-41a7-bca5-796b19d85bc0" providerId="ADAL" clId="{FAC9CDC4-0FAE-EB4E-9EAF-2D36CE679FAE}"/>
     <pc:docChg chg="undo custSel addSld delSld modSld sldOrd">
@@ -937,54 +985,6 @@
       </pc:sldMasterChg>
     </pc:docChg>
   </pc:docChgLst>
-  <pc:docChgLst>
-    <pc:chgData name="Arjan Kamberg" userId="2cfeac95-aab1-41a7-bca5-796b19d85bc0" providerId="ADAL" clId="{A7B53D6E-CCAE-7A49-A7D2-F48AD2D82C71}"/>
-    <pc:docChg chg="custSel modSld">
-      <pc:chgData name="Arjan Kamberg" userId="2cfeac95-aab1-41a7-bca5-796b19d85bc0" providerId="ADAL" clId="{A7B53D6E-CCAE-7A49-A7D2-F48AD2D82C71}" dt="2020-09-09T15:03:15.452" v="24" actId="20577"/>
-      <pc:docMkLst>
-        <pc:docMk/>
-      </pc:docMkLst>
-      <pc:sldChg chg="addSp delSp modSp mod">
-        <pc:chgData name="Arjan Kamberg" userId="2cfeac95-aab1-41a7-bca5-796b19d85bc0" providerId="ADAL" clId="{A7B53D6E-CCAE-7A49-A7D2-F48AD2D82C71}" dt="2020-09-09T15:03:15.452" v="24" actId="20577"/>
-        <pc:sldMkLst>
-          <pc:docMk/>
-          <pc:sldMk cId="3085005295" sldId="386"/>
-        </pc:sldMkLst>
-        <pc:spChg chg="mod">
-          <ac:chgData name="Arjan Kamberg" userId="2cfeac95-aab1-41a7-bca5-796b19d85bc0" providerId="ADAL" clId="{A7B53D6E-CCAE-7A49-A7D2-F48AD2D82C71}" dt="2020-09-09T15:03:15.452" v="24" actId="20577"/>
-          <ac:spMkLst>
-            <pc:docMk/>
-            <pc:sldMk cId="3085005295" sldId="386"/>
-            <ac:spMk id="2" creationId="{A0D966FC-2281-4149-84F4-9253FF077388}"/>
-          </ac:spMkLst>
-        </pc:spChg>
-        <pc:spChg chg="add mod">
-          <ac:chgData name="Arjan Kamberg" userId="2cfeac95-aab1-41a7-bca5-796b19d85bc0" providerId="ADAL" clId="{A7B53D6E-CCAE-7A49-A7D2-F48AD2D82C71}" dt="2020-09-09T15:02:24.846" v="0" actId="478"/>
-          <ac:spMkLst>
-            <pc:docMk/>
-            <pc:sldMk cId="3085005295" sldId="386"/>
-            <ac:spMk id="4" creationId="{BEE5EDAF-1D8B-E843-B30D-D3A7C6285F8E}"/>
-          </ac:spMkLst>
-        </pc:spChg>
-        <pc:picChg chg="del">
-          <ac:chgData name="Arjan Kamberg" userId="2cfeac95-aab1-41a7-bca5-796b19d85bc0" providerId="ADAL" clId="{A7B53D6E-CCAE-7A49-A7D2-F48AD2D82C71}" dt="2020-09-09T15:02:24.846" v="0" actId="478"/>
-          <ac:picMkLst>
-            <pc:docMk/>
-            <pc:sldMk cId="3085005295" sldId="386"/>
-            <ac:picMk id="5" creationId="{A05D922B-903D-9842-A109-71866C416BAB}"/>
-          </ac:picMkLst>
-        </pc:picChg>
-        <pc:picChg chg="add mod">
-          <ac:chgData name="Arjan Kamberg" userId="2cfeac95-aab1-41a7-bca5-796b19d85bc0" providerId="ADAL" clId="{A7B53D6E-CCAE-7A49-A7D2-F48AD2D82C71}" dt="2020-09-09T15:03:00.597" v="3" actId="1076"/>
-          <ac:picMkLst>
-            <pc:docMk/>
-            <pc:sldMk cId="3085005295" sldId="386"/>
-            <ac:picMk id="1025" creationId="{9816D917-0560-4349-971E-F4372C725E3C}"/>
-          </ac:picMkLst>
-        </pc:picChg>
-      </pc:sldChg>
-    </pc:docChg>
-  </pc:docChgLst>
 </pc:chgInfo>
 </file>
 
@@ -1070,7 +1070,7 @@
           <a:p>
             <a:fld id="{25ED37B6-3D2B-42F6-B75F-7E9C925A2B78}" type="datetimeFigureOut">
               <a:rPr lang="nl-NL" smtClean="0"/>
-              <a:t>11-9-2020</a:t>
+              <a:t>7-9-2023</a:t>
             </a:fld>
             <a:endParaRPr lang="nl-NL"/>
           </a:p>
@@ -1235,7 +1235,7 @@
           <a:p>
             <a:fld id="{67D95C54-6F9B-4C49-BF56-4D62B2D71ED9}" type="datetimeFigureOut">
               <a:rPr lang="nl-NL" smtClean="0"/>
-              <a:t>11-9-2020</a:t>
+              <a:t>7-9-2023</a:t>
             </a:fld>
             <a:endParaRPr lang="nl-NL"/>
           </a:p>
@@ -1547,10 +1547,9 @@
           <a:lstStyle/>
           <a:p>
             <a:r>
-              <a:rPr lang="nl-NL" dirty="0" smtClean="0"/>
+              <a:rPr lang="nl-NL" dirty="0"/>
               <a:t>Pijl geeft de richting aan… Er is altijd maar 1 Start</a:t>
             </a:r>
-            <a:endParaRPr lang="nl-NL" dirty="0"/>
           </a:p>
         </p:txBody>
       </p:sp>
@@ -5724,31 +5723,15 @@
             <a:br>
               <a:rPr lang="nl-NL" sz="8800" dirty="0"/>
             </a:br>
-            <a:r>
-              <a:rPr lang="nl-NL" dirty="0"/>
-              <a:t/>
-            </a:r>
             <a:br>
               <a:rPr lang="nl-NL" dirty="0"/>
             </a:br>
-            <a:r>
-              <a:rPr lang="nl-NL" dirty="0"/>
-              <a:t/>
-            </a:r>
             <a:br>
               <a:rPr lang="nl-NL" dirty="0"/>
             </a:br>
-            <a:r>
-              <a:rPr lang="nl-NL" dirty="0"/>
-              <a:t/>
-            </a:r>
             <a:br>
               <a:rPr lang="nl-NL" dirty="0"/>
             </a:br>
-            <a:r>
-              <a:rPr lang="nl-NL" dirty="0"/>
-              <a:t/>
-            </a:r>
             <a:br>
               <a:rPr lang="nl-NL" dirty="0"/>
             </a:br>
@@ -5802,13 +5785,6 @@
   <p:clrMapOvr>
     <a:masterClrMapping/>
   </p:clrMapOvr>
-  <p:timing>
-    <p:tnLst>
-      <p:par>
-        <p:cTn id="1" dur="indefinite" restart="never" nodeType="tmRoot"/>
-      </p:par>
-    </p:tnLst>
-  </p:timing>
 </p:sld>
 </file>
 
@@ -5892,13 +5868,6 @@
   <p:clrMapOvr>
     <a:masterClrMapping/>
   </p:clrMapOvr>
-  <p:timing>
-    <p:tnLst>
-      <p:par>
-        <p:cTn id="1" dur="indefinite" restart="never" nodeType="tmRoot"/>
-      </p:par>
-    </p:tnLst>
-  </p:timing>
 </p:sld>
 </file>
 
@@ -5982,13 +5951,6 @@
   <p:clrMapOvr>
     <a:masterClrMapping/>
   </p:clrMapOvr>
-  <p:timing>
-    <p:tnLst>
-      <p:par>
-        <p:cTn id="1" dur="indefinite" restart="never" nodeType="tmRoot"/>
-      </p:par>
-    </p:tnLst>
-  </p:timing>
 </p:sld>
 </file>
 
@@ -6072,13 +6034,6 @@
   <p:clrMapOvr>
     <a:masterClrMapping/>
   </p:clrMapOvr>
-  <p:timing>
-    <p:tnLst>
-      <p:par>
-        <p:cTn id="1" dur="indefinite" restart="never" nodeType="tmRoot"/>
-      </p:par>
-    </p:tnLst>
-  </p:timing>
 </p:sld>
 </file>
 
@@ -6162,13 +6117,6 @@
   <p:clrMapOvr>
     <a:masterClrMapping/>
   </p:clrMapOvr>
-  <p:timing>
-    <p:tnLst>
-      <p:par>
-        <p:cTn id="1" dur="indefinite" restart="never" nodeType="tmRoot"/>
-      </p:par>
-    </p:tnLst>
-  </p:timing>
 </p:sld>
 </file>
 
@@ -6252,13 +6200,6 @@
   <p:clrMapOvr>
     <a:masterClrMapping/>
   </p:clrMapOvr>
-  <p:timing>
-    <p:tnLst>
-      <p:par>
-        <p:cTn id="1" dur="indefinite" restart="never" nodeType="tmRoot"/>
-      </p:par>
-    </p:tnLst>
-  </p:timing>
 </p:sld>
 </file>
 
@@ -6376,13 +6317,6 @@
   <p:clrMapOvr>
     <a:masterClrMapping/>
   </p:clrMapOvr>
-  <p:timing>
-    <p:tnLst>
-      <p:par>
-        <p:cTn id="1" dur="indefinite" restart="never" nodeType="tmRoot"/>
-      </p:par>
-    </p:tnLst>
-  </p:timing>
 </p:sld>
 </file>
 
@@ -6535,13 +6469,6 @@
   <p:clrMapOvr>
     <a:masterClrMapping/>
   </p:clrMapOvr>
-  <p:timing>
-    <p:tnLst>
-      <p:par>
-        <p:cTn id="1" dur="indefinite" restart="never" nodeType="tmRoot"/>
-      </p:par>
-    </p:tnLst>
-  </p:timing>
 </p:sld>
 </file>
 
@@ -6743,13 +6670,6 @@
   <p:clrMapOvr>
     <a:masterClrMapping/>
   </p:clrMapOvr>
-  <p:timing>
-    <p:tnLst>
-      <p:par>
-        <p:cTn id="1" dur="indefinite" restart="never" nodeType="tmRoot"/>
-      </p:par>
-    </p:tnLst>
-  </p:timing>
 </p:sld>
 </file>
 
@@ -7013,13 +6933,6 @@
   <p:clrMapOvr>
     <a:masterClrMapping/>
   </p:clrMapOvr>
-  <p:timing>
-    <p:tnLst>
-      <p:par>
-        <p:cTn id="1" dur="indefinite" restart="never" nodeType="tmRoot"/>
-      </p:par>
-    </p:tnLst>
-  </p:timing>
 </p:sld>
 </file>
 
@@ -7330,13 +7243,6 @@
   <p:clrMapOvr>
     <a:masterClrMapping/>
   </p:clrMapOvr>
-  <p:timing>
-    <p:tnLst>
-      <p:par>
-        <p:cTn id="1" dur="indefinite" restart="never" nodeType="tmRoot"/>
-      </p:par>
-    </p:tnLst>
-  </p:timing>
 </p:sld>
 </file>
 
@@ -7425,13 +7331,6 @@
   <p:clrMapOvr>
     <a:masterClrMapping/>
   </p:clrMapOvr>
-  <p:timing>
-    <p:tnLst>
-      <p:par>
-        <p:cTn id="1" dur="indefinite" restart="never" nodeType="tmRoot"/>
-      </p:par>
-    </p:tnLst>
-  </p:timing>
 </p:sld>
 </file>
 
@@ -7515,13 +7414,6 @@
   <p:clrMapOvr>
     <a:masterClrMapping/>
   </p:clrMapOvr>
-  <p:timing>
-    <p:tnLst>
-      <p:par>
-        <p:cTn id="1" dur="indefinite" restart="never" nodeType="tmRoot"/>
-      </p:par>
-    </p:tnLst>
-  </p:timing>
 </p:sld>
 </file>
 
@@ -7604,13 +7496,6 @@
   <p:clrMapOvr>
     <a:masterClrMapping/>
   </p:clrMapOvr>
-  <p:timing>
-    <p:tnLst>
-      <p:par>
-        <p:cTn id="1" dur="indefinite" restart="never" nodeType="tmRoot"/>
-      </p:par>
-    </p:tnLst>
-  </p:timing>
 </p:sld>
 </file>
 
@@ -7668,7 +7553,7 @@
         <p:spPr>
           <a:xfrm>
             <a:off x="3878317" y="2459421"/>
-            <a:ext cx="2482090" cy="923330"/>
+            <a:ext cx="2482090" cy="1477328"/>
           </a:xfrm>
           <a:prstGeom prst="rect">
             <a:avLst/>
@@ -7684,6 +7569,15 @@
             <a:r>
               <a:rPr lang="nl-NL" dirty="0"/>
               <a:t>Maak opdracht 1.6.1</a:t>
+            </a:r>
+          </a:p>
+          <a:p>
+            <a:endParaRPr lang="nl-NL" dirty="0"/>
+          </a:p>
+          <a:p>
+            <a:r>
+              <a:rPr lang="nl-NL" dirty="0"/>
+              <a:t>Dranken automaat</a:t>
             </a:r>
           </a:p>
           <a:p>
@@ -7707,13 +7601,6 @@
   <p:clrMapOvr>
     <a:masterClrMapping/>
   </p:clrMapOvr>
-  <p:timing>
-    <p:tnLst>
-      <p:par>
-        <p:cTn id="1" dur="indefinite" restart="never" nodeType="tmRoot"/>
-      </p:par>
-    </p:tnLst>
-  </p:timing>
 </p:sld>
 </file>
 
@@ -8028,13 +7915,6 @@
   <p:clrMapOvr>
     <a:masterClrMapping/>
   </p:clrMapOvr>
-  <p:timing>
-    <p:tnLst>
-      <p:par>
-        <p:cTn id="1" dur="indefinite" restart="never" nodeType="tmRoot"/>
-      </p:par>
-    </p:tnLst>
-  </p:timing>
 </p:sld>
 </file>
 
@@ -8111,13 +7991,6 @@
   <p:clrMapOvr>
     <a:masterClrMapping/>
   </p:clrMapOvr>
-  <p:timing>
-    <p:tnLst>
-      <p:par>
-        <p:cTn id="1" dur="indefinite" restart="never" nodeType="tmRoot"/>
-      </p:par>
-    </p:tnLst>
-  </p:timing>
 </p:sld>
 </file>
 
@@ -8324,13 +8197,6 @@
   <p:clrMapOvr>
     <a:masterClrMapping/>
   </p:clrMapOvr>
-  <p:timing>
-    <p:tnLst>
-      <p:par>
-        <p:cTn id="1" dur="indefinite" restart="never" nodeType="tmRoot"/>
-      </p:par>
-    </p:tnLst>
-  </p:timing>
 </p:sld>
 </file>
 
@@ -8461,13 +8327,6 @@
   <p:clrMapOvr>
     <a:masterClrMapping/>
   </p:clrMapOvr>
-  <p:timing>
-    <p:tnLst>
-      <p:par>
-        <p:cTn id="1" dur="indefinite" restart="never" nodeType="tmRoot"/>
-      </p:par>
-    </p:tnLst>
-  </p:timing>
 </p:sld>
 </file>
 
@@ -8544,13 +8403,6 @@
   <p:clrMapOvr>
     <a:masterClrMapping/>
   </p:clrMapOvr>
-  <p:timing>
-    <p:tnLst>
-      <p:par>
-        <p:cTn id="1" dur="indefinite" restart="never" nodeType="tmRoot"/>
-      </p:par>
-    </p:tnLst>
-  </p:timing>
 </p:sld>
 </file>
 
@@ -8645,13 +8497,6 @@
   <p:clrMapOvr>
     <a:masterClrMapping/>
   </p:clrMapOvr>
-  <p:timing>
-    <p:tnLst>
-      <p:par>
-        <p:cTn id="1" dur="indefinite" restart="never" nodeType="tmRoot"/>
-      </p:par>
-    </p:tnLst>
-  </p:timing>
 </p:sld>
 </file>
 
@@ -8739,13 +8584,6 @@
   <p:clrMapOvr>
     <a:masterClrMapping/>
   </p:clrMapOvr>
-  <p:timing>
-    <p:tnLst>
-      <p:par>
-        <p:cTn id="1" dur="indefinite" restart="never" nodeType="tmRoot"/>
-      </p:par>
-    </p:tnLst>
-  </p:timing>
 </p:sld>
 </file>
 
@@ -8868,13 +8706,6 @@
   <p:clrMapOvr>
     <a:masterClrMapping/>
   </p:clrMapOvr>
-  <p:timing>
-    <p:tnLst>
-      <p:par>
-        <p:cTn id="1" dur="indefinite" restart="never" nodeType="tmRoot"/>
-      </p:par>
-    </p:tnLst>
-  </p:timing>
 </p:sld>
 </file>
 
@@ -9991,18 +9822,18 @@
 </file>
 
 <file path=customXml/item1.xml><?xml version="1.0" encoding="utf-8"?>
+<p:properties xmlns:p="http://schemas.microsoft.com/office/2006/metadata/properties" xmlns:xsi="http://www.w3.org/2001/XMLSchema-instance" xmlns:pc="http://schemas.microsoft.com/office/infopath/2007/PartnerControls">
+  <documentManagement/>
+</p:properties>
+</file>
+
+<file path=customXml/item2.xml><?xml version="1.0" encoding="utf-8"?>
 <?mso-contentType ?>
 <FormTemplates xmlns="http://schemas.microsoft.com/sharepoint/v3/contenttype/forms">
   <Display>DocumentLibraryForm</Display>
   <Edit>DocumentLibraryForm</Edit>
   <New>DocumentLibraryForm</New>
 </FormTemplates>
-</file>
-
-<file path=customXml/item2.xml><?xml version="1.0" encoding="utf-8"?>
-<p:properties xmlns:p="http://schemas.microsoft.com/office/2006/metadata/properties" xmlns:xsi="http://www.w3.org/2001/XMLSchema-instance" xmlns:pc="http://schemas.microsoft.com/office/infopath/2007/PartnerControls">
-  <documentManagement/>
-</p:properties>
 </file>
 
 <file path=customXml/item3.xml><?xml version="1.0" encoding="utf-8"?>
@@ -10120,14 +9951,6 @@
 </file>
 
 <file path=customXml/itemProps1.xml><?xml version="1.0" encoding="utf-8"?>
-<ds:datastoreItem xmlns:ds="http://schemas.openxmlformats.org/officeDocument/2006/customXml" ds:itemID="{C58370CC-8AF3-4E85-911D-3C7AD1FAAE10}">
-  <ds:schemaRefs>
-    <ds:schemaRef ds:uri="http://schemas.microsoft.com/sharepoint/v3/contenttype/forms"/>
-  </ds:schemaRefs>
-</ds:datastoreItem>
-</file>
-
-<file path=customXml/itemProps2.xml><?xml version="1.0" encoding="utf-8"?>
 <ds:datastoreItem xmlns:ds="http://schemas.openxmlformats.org/officeDocument/2006/customXml" ds:itemID="{A03AAC8F-903D-4F48-B309-C4EB3B4EEDDC}">
   <ds:schemaRefs>
     <ds:schemaRef ds:uri="http://purl.org/dc/elements/1.1/"/>
@@ -10138,6 +9961,14 @@
     <ds:schemaRef ds:uri="http://purl.org/dc/dcmitype/"/>
     <ds:schemaRef ds:uri="http://schemas.microsoft.com/office/infopath/2007/PartnerControls"/>
     <ds:schemaRef ds:uri="http://www.w3.org/XML/1998/namespace"/>
+  </ds:schemaRefs>
+</ds:datastoreItem>
+</file>
+
+<file path=customXml/itemProps2.xml><?xml version="1.0" encoding="utf-8"?>
+<ds:datastoreItem xmlns:ds="http://schemas.openxmlformats.org/officeDocument/2006/customXml" ds:itemID="{C58370CC-8AF3-4E85-911D-3C7AD1FAAE10}">
+  <ds:schemaRefs>
+    <ds:schemaRef ds:uri="http://schemas.microsoft.com/sharepoint/v3/contenttype/forms"/>
   </ds:schemaRefs>
 </ds:datastoreItem>
 </file>
